--- a/content/teaching/v202/slides/11_Poverty_Income_Inequality.pptx
+++ b/content/teaching/v202/slides/11_Poverty_Income_Inequality.pptx
@@ -198,6 +198,50 @@
     </p:ext>
   </p:extLst>
 </p:presentation>
+</file>
+
+<file path=ppt/changesInfos/changesInfo1.xml><?xml version="1.0" encoding="utf-8"?>
+<pc:chgInfo xmlns:a="http://schemas.openxmlformats.org/drawingml/2006/main" xmlns:r="http://schemas.openxmlformats.org/officeDocument/2006/relationships" xmlns:ac="http://schemas.microsoft.com/office/drawing/2013/main/command" xmlns:pc="http://schemas.microsoft.com/office/powerpoint/2013/main/command">
+  <pc:docChgLst>
+    <pc:chgData name="Navarro Ulloa, Luis Enrique" userId="adde1b74-f296-445a-8659-1214c6e2ca22" providerId="ADAL" clId="{0E000F7A-0B20-6F4C-AD70-0DF0DB2EEB1A}"/>
+    <pc:docChg chg="modSld">
+      <pc:chgData name="Navarro Ulloa, Luis Enrique" userId="adde1b74-f296-445a-8659-1214c6e2ca22" providerId="ADAL" clId="{0E000F7A-0B20-6F4C-AD70-0DF0DB2EEB1A}" dt="2024-08-20T16:04:43.510" v="85" actId="20577"/>
+      <pc:docMkLst>
+        <pc:docMk/>
+      </pc:docMkLst>
+      <pc:sldChg chg="modSp modAnim">
+        <pc:chgData name="Navarro Ulloa, Luis Enrique" userId="adde1b74-f296-445a-8659-1214c6e2ca22" providerId="ADAL" clId="{0E000F7A-0B20-6F4C-AD70-0DF0DB2EEB1A}" dt="2024-08-20T16:04:43.510" v="85" actId="20577"/>
+        <pc:sldMkLst>
+          <pc:docMk/>
+          <pc:sldMk cId="2723586299" sldId="488"/>
+        </pc:sldMkLst>
+        <pc:spChg chg="mod">
+          <ac:chgData name="Navarro Ulloa, Luis Enrique" userId="adde1b74-f296-445a-8659-1214c6e2ca22" providerId="ADAL" clId="{0E000F7A-0B20-6F4C-AD70-0DF0DB2EEB1A}" dt="2024-08-20T16:04:43.510" v="85" actId="20577"/>
+          <ac:spMkLst>
+            <pc:docMk/>
+            <pc:sldMk cId="2723586299" sldId="488"/>
+            <ac:spMk id="29" creationId="{3DCD8C22-0BA2-1FB7-3948-72DFE0F15594}"/>
+          </ac:spMkLst>
+        </pc:spChg>
+      </pc:sldChg>
+      <pc:sldChg chg="modSp mod">
+        <pc:chgData name="Navarro Ulloa, Luis Enrique" userId="adde1b74-f296-445a-8659-1214c6e2ca22" providerId="ADAL" clId="{0E000F7A-0B20-6F4C-AD70-0DF0DB2EEB1A}" dt="2024-08-20T16:03:44.131" v="84" actId="20577"/>
+        <pc:sldMkLst>
+          <pc:docMk/>
+          <pc:sldMk cId="3736879431" sldId="692"/>
+        </pc:sldMkLst>
+        <pc:spChg chg="mod">
+          <ac:chgData name="Navarro Ulloa, Luis Enrique" userId="adde1b74-f296-445a-8659-1214c6e2ca22" providerId="ADAL" clId="{0E000F7A-0B20-6F4C-AD70-0DF0DB2EEB1A}" dt="2024-08-20T16:03:44.131" v="84" actId="20577"/>
+          <ac:spMkLst>
+            <pc:docMk/>
+            <pc:sldMk cId="3736879431" sldId="692"/>
+            <ac:spMk id="7" creationId="{4F06B4D5-32E6-7537-3380-E0DD9723F4BD}"/>
+          </ac:spMkLst>
+        </pc:spChg>
+      </pc:sldChg>
+    </pc:docChg>
+  </pc:docChgLst>
+</pc:chgInfo>
 </file>
 
 <file path=ppt/charts/chart1.xml><?xml version="1.0" encoding="utf-8"?>
@@ -2462,7 +2506,7 @@
           <a:p>
             <a:fld id="{C87859BD-4604-2843-976C-9F2DEE3C79DB}" type="datetimeFigureOut">
               <a:rPr lang="en-US" smtClean="0"/>
-              <a:t>3/6/2023</a:t>
+              <a:t>8/20/24</a:t>
             </a:fld>
             <a:endParaRPr lang="en-US"/>
           </a:p>
@@ -2627,7 +2671,7 @@
           <a:p>
             <a:fld id="{DE108F45-8DB7-E449-85E4-EC04F96DF3AA}" type="datetimeFigureOut">
               <a:rPr lang="en-US" smtClean="0"/>
-              <a:t>3/6/2023</a:t>
+              <a:t>8/20/24</a:t>
             </a:fld>
             <a:endParaRPr lang="en-US"/>
           </a:p>
@@ -21625,8 +21669,8 @@
         </p:nvSpPr>
         <p:spPr>
           <a:xfrm>
-            <a:off x="248421" y="699065"/>
-            <a:ext cx="8895579" cy="1846659"/>
+            <a:off x="44756" y="579398"/>
+            <a:ext cx="9054487" cy="2062103"/>
           </a:xfrm>
           <a:prstGeom prst="rect">
             <a:avLst/>
@@ -21649,11 +21693,11 @@
             </a:pPr>
             <a:r>
               <a:rPr lang="en-US" sz="1400" b="1" dirty="0"/>
-              <a:t>Example: </a:t>
+              <a:t>Ex: </a:t>
             </a:r>
             <a:r>
               <a:rPr lang="en-US" sz="1400" dirty="0"/>
-              <a:t>suppose two identical babies are born (same skills). The difference: one baby is born in a country with low income inequality, while the second is born in a country with high inequality. If we measure the average income of these two people when they turn 40, who is likely to have a higher income?</a:t>
+              <a:t>suppose two identical babies are born (same skills) into identical families (parents have same income). The difference: one baby is born in a country with low-income inequality, while the second is born in a country with high inequality. If we measure the average income of these two people when they turn 40, who is likely to have a higher income?</a:t>
             </a:r>
           </a:p>
           <a:p>
@@ -28583,62 +28627,16 @@
                 <a:latin typeface="+mn-lt"/>
                 <a:cs typeface="Times New Roman" panose="02020603050405020304" pitchFamily="18" charset="0"/>
               </a:rPr>
-              <a:t> Mankiw Ch 20. Stiglitz &amp; Rosengard Ch 15. Gruber Ch 17.   </a:t>
+              <a:t> Mankiw Ch 20. Stiglitz &amp; Rosengard Ch 15. Gruber Ch 17</a:t>
             </a:r>
-          </a:p>
-          <a:p>
-            <a:pPr>
-              <a:buClr>
-                <a:srgbClr val="690304"/>
-              </a:buClr>
-              <a:buFont typeface="Wingdings" panose="05000000000000000000" pitchFamily="2" charset="2"/>
-              <a:buChar char="§"/>
-            </a:pPr>
             <a:r>
-              <a:rPr lang="en-US" sz="1400" b="1" dirty="0">
+              <a:rPr lang="en-US" sz="1400">
                 <a:latin typeface="+mn-lt"/>
                 <a:cs typeface="Times New Roman" panose="02020603050405020304" pitchFamily="18" charset="0"/>
               </a:rPr>
-              <a:t>Weekly Discussion is out! </a:t>
+              <a:t>.   </a:t>
             </a:r>
-          </a:p>
-          <a:p>
-            <a:pPr>
-              <a:buClr>
-                <a:srgbClr val="690304"/>
-              </a:buClr>
-              <a:buFont typeface="Wingdings" panose="05000000000000000000" pitchFamily="2" charset="2"/>
-              <a:buChar char="§"/>
-            </a:pPr>
-            <a:r>
-              <a:rPr lang="en-US" sz="1400" b="1" dirty="0">
-                <a:latin typeface="+mn-lt"/>
-                <a:cs typeface="Times New Roman" panose="02020603050405020304" pitchFamily="18" charset="0"/>
-              </a:rPr>
-              <a:t>Assignment 4: </a:t>
-            </a:r>
-            <a:r>
-              <a:rPr lang="en-US" sz="1400" dirty="0">
-                <a:latin typeface="+mn-lt"/>
-                <a:cs typeface="Times New Roman" panose="02020603050405020304" pitchFamily="18" charset="0"/>
-              </a:rPr>
-              <a:t>will be released on Monday, October 24, and is due Monday, October 31. It will cover labor markets, income inequality, poverty and transfer programs. </a:t>
-            </a:r>
-            <a:r>
-              <a:rPr lang="en-US" sz="1400" baseline="30000" dirty="0">
-                <a:latin typeface="+mn-lt"/>
-                <a:cs typeface="Times New Roman" panose="02020603050405020304" pitchFamily="18" charset="0"/>
-              </a:rPr>
-              <a:t>.</a:t>
-            </a:r>
-            <a:r>
-              <a:rPr lang="en-US" sz="1400" dirty="0">
-                <a:latin typeface="+mn-lt"/>
-                <a:cs typeface="Times New Roman" panose="02020603050405020304" pitchFamily="18" charset="0"/>
-              </a:rPr>
-              <a:t> </a:t>
-            </a:r>
-            <a:endParaRPr lang="en-US" sz="1400" b="1" dirty="0">
+            <a:endParaRPr lang="en-US" sz="1400" dirty="0">
               <a:latin typeface="+mn-lt"/>
               <a:cs typeface="Times New Roman" panose="02020603050405020304" pitchFamily="18" charset="0"/>
             </a:endParaRPr>
@@ -28741,104 +28739,6 @@
                                           <p:spTgt spid="29">
                                             <p:txEl>
                                               <p:pRg st="1" end="1"/>
-                                            </p:txEl>
-                                          </p:spTgt>
-                                        </p:tgtEl>
-                                        <p:attrNameLst>
-                                          <p:attrName>style.visibility</p:attrName>
-                                        </p:attrNameLst>
-                                      </p:cBhvr>
-                                      <p:to>
-                                        <p:strVal val="visible"/>
-                                      </p:to>
-                                    </p:set>
-                                  </p:childTnLst>
-                                </p:cTn>
-                              </p:par>
-                            </p:childTnLst>
-                          </p:cTn>
-                        </p:par>
-                      </p:childTnLst>
-                    </p:cTn>
-                  </p:par>
-                  <p:par>
-                    <p:cTn id="11" fill="hold">
-                      <p:stCondLst>
-                        <p:cond delay="indefinite"/>
-                      </p:stCondLst>
-                      <p:childTnLst>
-                        <p:par>
-                          <p:cTn id="12" fill="hold">
-                            <p:stCondLst>
-                              <p:cond delay="0"/>
-                            </p:stCondLst>
-                            <p:childTnLst>
-                              <p:par>
-                                <p:cTn id="13" presetID="1" presetClass="entr" presetSubtype="0" fill="hold" grpId="0" nodeType="clickEffect">
-                                  <p:stCondLst>
-                                    <p:cond delay="0"/>
-                                  </p:stCondLst>
-                                  <p:childTnLst>
-                                    <p:set>
-                                      <p:cBhvr>
-                                        <p:cTn id="14" dur="1" fill="hold">
-                                          <p:stCondLst>
-                                            <p:cond delay="0"/>
-                                          </p:stCondLst>
-                                        </p:cTn>
-                                        <p:tgtEl>
-                                          <p:spTgt spid="29">
-                                            <p:txEl>
-                                              <p:pRg st="2" end="2"/>
-                                            </p:txEl>
-                                          </p:spTgt>
-                                        </p:tgtEl>
-                                        <p:attrNameLst>
-                                          <p:attrName>style.visibility</p:attrName>
-                                        </p:attrNameLst>
-                                      </p:cBhvr>
-                                      <p:to>
-                                        <p:strVal val="visible"/>
-                                      </p:to>
-                                    </p:set>
-                                  </p:childTnLst>
-                                </p:cTn>
-                              </p:par>
-                            </p:childTnLst>
-                          </p:cTn>
-                        </p:par>
-                      </p:childTnLst>
-                    </p:cTn>
-                  </p:par>
-                  <p:par>
-                    <p:cTn id="15" fill="hold">
-                      <p:stCondLst>
-                        <p:cond delay="indefinite"/>
-                      </p:stCondLst>
-                      <p:childTnLst>
-                        <p:par>
-                          <p:cTn id="16" fill="hold">
-                            <p:stCondLst>
-                              <p:cond delay="0"/>
-                            </p:stCondLst>
-                            <p:childTnLst>
-                              <p:par>
-                                <p:cTn id="17" presetID="1" presetClass="entr" presetSubtype="0" fill="hold" grpId="0" nodeType="clickEffect">
-                                  <p:stCondLst>
-                                    <p:cond delay="0"/>
-                                  </p:stCondLst>
-                                  <p:childTnLst>
-                                    <p:set>
-                                      <p:cBhvr>
-                                        <p:cTn id="18" dur="1" fill="hold">
-                                          <p:stCondLst>
-                                            <p:cond delay="0"/>
-                                          </p:stCondLst>
-                                        </p:cTn>
-                                        <p:tgtEl>
-                                          <p:spTgt spid="29">
-                                            <p:txEl>
-                                              <p:pRg st="3" end="3"/>
                                             </p:txEl>
                                           </p:spTgt>
                                         </p:tgtEl>
@@ -40983,6 +40883,15 @@
 </file>
 
 <file path=customXml/item1.xml><?xml version="1.0" encoding="utf-8"?>
+<?mso-contentType ?>
+<FormTemplates xmlns="http://schemas.microsoft.com/sharepoint/v3/contenttype/forms">
+  <Display>DocumentLibraryForm</Display>
+  <Edit>DocumentLibraryForm</Edit>
+  <New>DocumentLibraryForm</New>
+</FormTemplates>
+</file>
+
+<file path=customXml/item2.xml><?xml version="1.0" encoding="utf-8"?>
 <ct:contentTypeSchema xmlns:ct="http://schemas.microsoft.com/office/2006/metadata/contentType" xmlns:ma="http://schemas.microsoft.com/office/2006/metadata/properties/metaAttributes" ct:_="" ma:_="" ma:contentTypeName="Document" ma:contentTypeID="0x010100774F5D463876B2498F216835DB1298F6" ma:contentTypeVersion="13" ma:contentTypeDescription="Create a new document." ma:contentTypeScope="" ma:versionID="7957ea766adc7a1f8ada85e1f16c5ad0">
   <xsd:schema xmlns:xsd="http://www.w3.org/2001/XMLSchema" xmlns:xs="http://www.w3.org/2001/XMLSchema" xmlns:p="http://schemas.microsoft.com/office/2006/metadata/properties" xmlns:ns2="82db8b44-0703-48fc-920e-285d3f66b75e" xmlns:ns3="8db4f6ed-281a-40b3-a3a6-248115f75364" targetNamespace="http://schemas.microsoft.com/office/2006/metadata/properties" ma:root="true" ma:fieldsID="51c19d7e075a31899c1cd216db6b60db" ns2:_="" ns3:_="">
     <xsd:import namespace="82db8b44-0703-48fc-920e-285d3f66b75e"/>
@@ -41205,15 +41114,6 @@
 </ct:contentTypeSchema>
 </file>
 
-<file path=customXml/item2.xml><?xml version="1.0" encoding="utf-8"?>
-<?mso-contentType ?>
-<FormTemplates xmlns="http://schemas.microsoft.com/sharepoint/v3/contenttype/forms">
-  <Display>DocumentLibraryForm</Display>
-  <Edit>DocumentLibraryForm</Edit>
-  <New>DocumentLibraryForm</New>
-</FormTemplates>
-</file>
-
 <file path=customXml/item3.xml><?xml version="1.0" encoding="utf-8"?>
 <p:properties xmlns:p="http://schemas.microsoft.com/office/2006/metadata/properties" xmlns:xsi="http://www.w3.org/2001/XMLSchema-instance" xmlns:pc="http://schemas.microsoft.com/office/infopath/2007/PartnerControls">
   <documentManagement/>
@@ -41221,6 +41121,14 @@
 </file>
 
 <file path=customXml/itemProps1.xml><?xml version="1.0" encoding="utf-8"?>
+<ds:datastoreItem xmlns:ds="http://schemas.openxmlformats.org/officeDocument/2006/customXml" ds:itemID="{87D2A1B0-FF3E-4009-940D-AED0EB70AA20}">
+  <ds:schemaRefs>
+    <ds:schemaRef ds:uri="http://schemas.microsoft.com/sharepoint/v3/contenttype/forms"/>
+  </ds:schemaRefs>
+</ds:datastoreItem>
+</file>
+
+<file path=customXml/itemProps2.xml><?xml version="1.0" encoding="utf-8"?>
 <ds:datastoreItem xmlns:ds="http://schemas.openxmlformats.org/officeDocument/2006/customXml" ds:itemID="{00CDEACD-F46F-495A-8810-85205DBC3305}">
   <ds:schemaRefs>
     <ds:schemaRef ds:uri="http://schemas.microsoft.com/office/2006/metadata/contentType"/>
@@ -41239,27 +41147,19 @@
 </ds:datastoreItem>
 </file>
 
-<file path=customXml/itemProps2.xml><?xml version="1.0" encoding="utf-8"?>
-<ds:datastoreItem xmlns:ds="http://schemas.openxmlformats.org/officeDocument/2006/customXml" ds:itemID="{87D2A1B0-FF3E-4009-940D-AED0EB70AA20}">
-  <ds:schemaRefs>
-    <ds:schemaRef ds:uri="http://schemas.microsoft.com/sharepoint/v3/contenttype/forms"/>
-  </ds:schemaRefs>
-</ds:datastoreItem>
-</file>
-
 <file path=customXml/itemProps3.xml><?xml version="1.0" encoding="utf-8"?>
 <ds:datastoreItem xmlns:ds="http://schemas.openxmlformats.org/officeDocument/2006/customXml" ds:itemID="{7B6F2769-7194-4217-93D3-3AF3A4742282}">
   <ds:schemaRefs>
+    <ds:schemaRef ds:uri="82db8b44-0703-48fc-920e-285d3f66b75e"/>
+    <ds:schemaRef ds:uri="8db4f6ed-281a-40b3-a3a6-248115f75364"/>
+    <ds:schemaRef ds:uri="http://schemas.microsoft.com/office/2006/documentManagement/types"/>
     <ds:schemaRef ds:uri="http://purl.org/dc/elements/1.1/"/>
+    <ds:schemaRef ds:uri="http://purl.org/dc/dcmitype/"/>
+    <ds:schemaRef ds:uri="http://www.w3.org/XML/1998/namespace"/>
+    <ds:schemaRef ds:uri="http://purl.org/dc/terms/"/>
     <ds:schemaRef ds:uri="http://schemas.microsoft.com/office/infopath/2007/PartnerControls"/>
-    <ds:schemaRef ds:uri="8db4f6ed-281a-40b3-a3a6-248115f75364"/>
+    <ds:schemaRef ds:uri="http://schemas.openxmlformats.org/package/2006/metadata/core-properties"/>
     <ds:schemaRef ds:uri="http://schemas.microsoft.com/office/2006/metadata/properties"/>
-    <ds:schemaRef ds:uri="http://purl.org/dc/terms/"/>
-    <ds:schemaRef ds:uri="http://www.w3.org/XML/1998/namespace"/>
-    <ds:schemaRef ds:uri="http://schemas.microsoft.com/office/2006/documentManagement/types"/>
-    <ds:schemaRef ds:uri="http://schemas.openxmlformats.org/package/2006/metadata/core-properties"/>
-    <ds:schemaRef ds:uri="82db8b44-0703-48fc-920e-285d3f66b75e"/>
-    <ds:schemaRef ds:uri="http://purl.org/dc/dcmitype/"/>
   </ds:schemaRefs>
 </ds:datastoreItem>
 </file>